--- a/Traffic Survey/figure.pptx
+++ b/Traffic Survey/figure.pptx
@@ -247,11 +247,11 @@
         </c:dLbls>
         <c:gapWidth val="150"/>
         <c:overlap val="100"/>
-        <c:axId val="34205696"/>
-        <c:axId val="34207232"/>
+        <c:axId val="27677440"/>
+        <c:axId val="27678976"/>
       </c:barChart>
       <c:catAx>
-        <c:axId val="34205696"/>
+        <c:axId val="27677440"/>
         <c:scaling>
           <c:orientation val="minMax"/>
         </c:scaling>
@@ -261,7 +261,7 @@
         <c:majorTickMark val="out"/>
         <c:minorTickMark val="none"/>
         <c:tickLblPos val="nextTo"/>
-        <c:crossAx val="34207232"/>
+        <c:crossAx val="27678976"/>
         <c:crosses val="autoZero"/>
         <c:auto val="1"/>
         <c:lblAlgn val="ctr"/>
@@ -269,7 +269,7 @@
         <c:noMultiLvlLbl val="0"/>
       </c:catAx>
       <c:valAx>
-        <c:axId val="34207232"/>
+        <c:axId val="27678976"/>
         <c:scaling>
           <c:orientation val="minMax"/>
         </c:scaling>
@@ -279,7 +279,7 @@
         <c:majorTickMark val="out"/>
         <c:minorTickMark val="none"/>
         <c:tickLblPos val="nextTo"/>
-        <c:crossAx val="34205696"/>
+        <c:crossAx val="27677440"/>
         <c:crosses val="autoZero"/>
         <c:crossBetween val="between"/>
       </c:valAx>
@@ -429,11 +429,11 @@
         </c:dLbls>
         <c:marker val="1"/>
         <c:smooth val="0"/>
-        <c:axId val="33794304"/>
-        <c:axId val="33796096"/>
+        <c:axId val="72585216"/>
+        <c:axId val="72586752"/>
       </c:lineChart>
       <c:catAx>
-        <c:axId val="33794304"/>
+        <c:axId val="72585216"/>
         <c:scaling>
           <c:orientation val="minMax"/>
         </c:scaling>
@@ -443,7 +443,7 @@
         <c:majorTickMark val="out"/>
         <c:minorTickMark val="none"/>
         <c:tickLblPos val="nextTo"/>
-        <c:crossAx val="33796096"/>
+        <c:crossAx val="72586752"/>
         <c:crosses val="autoZero"/>
         <c:auto val="1"/>
         <c:lblAlgn val="ctr"/>
@@ -451,7 +451,7 @@
         <c:noMultiLvlLbl val="0"/>
       </c:catAx>
       <c:valAx>
-        <c:axId val="33796096"/>
+        <c:axId val="72586752"/>
         <c:scaling>
           <c:orientation val="minMax"/>
         </c:scaling>
@@ -462,7 +462,7 @@
         <c:majorTickMark val="out"/>
         <c:minorTickMark val="none"/>
         <c:tickLblPos val="nextTo"/>
-        <c:crossAx val="33794304"/>
+        <c:crossAx val="72585216"/>
         <c:crosses val="autoZero"/>
         <c:crossBetween val="between"/>
       </c:valAx>
@@ -3777,14 +3777,14 @@
           <p:nvPr>
             <p:extLst>
               <p:ext uri="{D42A27DB-BD31-4B8C-83A1-F6EECF244321}">
-                <p14:modId xmlns:p14="http://schemas.microsoft.com/office/powerpoint/2010/main" val="3424820351"/>
+                <p14:modId xmlns:p14="http://schemas.microsoft.com/office/powerpoint/2010/main" val="2354189048"/>
               </p:ext>
             </p:extLst>
           </p:nvPr>
         </p:nvGraphicFramePr>
         <p:xfrm>
-          <a:off x="179512" y="260648"/>
-          <a:ext cx="8784976" cy="6597352"/>
+          <a:off x="755576" y="836712"/>
+          <a:ext cx="7632848" cy="4968552"/>
         </p:xfrm>
         <a:graphic>
           <a:graphicData uri="http://schemas.openxmlformats.org/drawingml/2006/chart">
@@ -3800,7 +3800,7 @@
         </p:nvSpPr>
         <p:spPr>
           <a:xfrm>
-            <a:off x="1403648" y="326743"/>
+            <a:off x="1835696" y="846237"/>
             <a:ext cx="2182521" cy="369332"/>
           </a:xfrm>
           <a:prstGeom prst="rect">
